--- a/Docs/Modulo-III-Docs/02_CSS.pptx
+++ b/Docs/Modulo-III-Docs/02_CSS.pptx
@@ -332,7 +332,7 @@
           <a:p>
             <a:fld id="{A6D3EF77-317B-41C0-9349-43E9BC462C98}" type="datetimeFigureOut">
               <a:rPr lang="es-MX" smtClean="0"/>
-              <a:t>06/05/2024</a:t>
+              <a:t>08/05/2024</a:t>
             </a:fld>
             <a:endParaRPr lang="es-MX"/>
           </a:p>
@@ -630,7 +630,7 @@
           <a:p>
             <a:fld id="{A6D3EF77-317B-41C0-9349-43E9BC462C98}" type="datetimeFigureOut">
               <a:rPr lang="es-MX" smtClean="0"/>
-              <a:t>06/05/2024</a:t>
+              <a:t>08/05/2024</a:t>
             </a:fld>
             <a:endParaRPr lang="es-MX"/>
           </a:p>
@@ -822,7 +822,7 @@
           <a:p>
             <a:fld id="{A6D3EF77-317B-41C0-9349-43E9BC462C98}" type="datetimeFigureOut">
               <a:rPr lang="es-MX" smtClean="0"/>
-              <a:t>06/05/2024</a:t>
+              <a:t>08/05/2024</a:t>
             </a:fld>
             <a:endParaRPr lang="es-MX"/>
           </a:p>
@@ -1083,7 +1083,7 @@
           <a:p>
             <a:fld id="{A6D3EF77-317B-41C0-9349-43E9BC462C98}" type="datetimeFigureOut">
               <a:rPr lang="es-MX" smtClean="0"/>
-              <a:t>06/05/2024</a:t>
+              <a:t>08/05/2024</a:t>
             </a:fld>
             <a:endParaRPr lang="es-MX"/>
           </a:p>
@@ -1507,7 +1507,7 @@
           <a:p>
             <a:fld id="{A6D3EF77-317B-41C0-9349-43E9BC462C98}" type="datetimeFigureOut">
               <a:rPr lang="es-MX" smtClean="0"/>
-              <a:t>06/05/2024</a:t>
+              <a:t>08/05/2024</a:t>
             </a:fld>
             <a:endParaRPr lang="es-MX"/>
           </a:p>
@@ -2044,7 +2044,7 @@
           <a:p>
             <a:fld id="{A6D3EF77-317B-41C0-9349-43E9BC462C98}" type="datetimeFigureOut">
               <a:rPr lang="es-MX" smtClean="0"/>
-              <a:t>06/05/2024</a:t>
+              <a:t>08/05/2024</a:t>
             </a:fld>
             <a:endParaRPr lang="es-MX"/>
           </a:p>
@@ -2908,7 +2908,7 @@
           <a:p>
             <a:fld id="{A6D3EF77-317B-41C0-9349-43E9BC462C98}" type="datetimeFigureOut">
               <a:rPr lang="es-MX" smtClean="0"/>
-              <a:t>06/05/2024</a:t>
+              <a:t>08/05/2024</a:t>
             </a:fld>
             <a:endParaRPr lang="es-MX"/>
           </a:p>
@@ -3078,7 +3078,7 @@
           <a:p>
             <a:fld id="{A6D3EF77-317B-41C0-9349-43E9BC462C98}" type="datetimeFigureOut">
               <a:rPr lang="es-MX" smtClean="0"/>
-              <a:t>06/05/2024</a:t>
+              <a:t>08/05/2024</a:t>
             </a:fld>
             <a:endParaRPr lang="es-MX"/>
           </a:p>
@@ -3262,7 +3262,7 @@
           <a:p>
             <a:fld id="{A6D3EF77-317B-41C0-9349-43E9BC462C98}" type="datetimeFigureOut">
               <a:rPr lang="es-MX" smtClean="0"/>
-              <a:t>06/05/2024</a:t>
+              <a:t>08/05/2024</a:t>
             </a:fld>
             <a:endParaRPr lang="es-MX"/>
           </a:p>
@@ -3432,7 +3432,7 @@
           <a:p>
             <a:fld id="{A6D3EF77-317B-41C0-9349-43E9BC462C98}" type="datetimeFigureOut">
               <a:rPr lang="es-MX" smtClean="0"/>
-              <a:t>06/05/2024</a:t>
+              <a:t>08/05/2024</a:t>
             </a:fld>
             <a:endParaRPr lang="es-MX"/>
           </a:p>
@@ -3676,7 +3676,7 @@
           <a:p>
             <a:fld id="{A6D3EF77-317B-41C0-9349-43E9BC462C98}" type="datetimeFigureOut">
               <a:rPr lang="es-MX" smtClean="0"/>
-              <a:t>06/05/2024</a:t>
+              <a:t>08/05/2024</a:t>
             </a:fld>
             <a:endParaRPr lang="es-MX"/>
           </a:p>
@@ -3912,7 +3912,7 @@
           <a:p>
             <a:fld id="{A6D3EF77-317B-41C0-9349-43E9BC462C98}" type="datetimeFigureOut">
               <a:rPr lang="es-MX" smtClean="0"/>
-              <a:t>06/05/2024</a:t>
+              <a:t>08/05/2024</a:t>
             </a:fld>
             <a:endParaRPr lang="es-MX"/>
           </a:p>
@@ -4378,7 +4378,7 @@
           <a:p>
             <a:fld id="{A6D3EF77-317B-41C0-9349-43E9BC462C98}" type="datetimeFigureOut">
               <a:rPr lang="es-MX" smtClean="0"/>
-              <a:t>06/05/2024</a:t>
+              <a:t>08/05/2024</a:t>
             </a:fld>
             <a:endParaRPr lang="es-MX"/>
           </a:p>
@@ -4496,7 +4496,7 @@
           <a:p>
             <a:fld id="{A6D3EF77-317B-41C0-9349-43E9BC462C98}" type="datetimeFigureOut">
               <a:rPr lang="es-MX" smtClean="0"/>
-              <a:t>06/05/2024</a:t>
+              <a:t>08/05/2024</a:t>
             </a:fld>
             <a:endParaRPr lang="es-MX"/>
           </a:p>
@@ -4591,7 +4591,7 @@
           <a:p>
             <a:fld id="{A6D3EF77-317B-41C0-9349-43E9BC462C98}" type="datetimeFigureOut">
               <a:rPr lang="es-MX" smtClean="0"/>
-              <a:t>06/05/2024</a:t>
+              <a:t>08/05/2024</a:t>
             </a:fld>
             <a:endParaRPr lang="es-MX"/>
           </a:p>
@@ -4846,7 +4846,7 @@
           <a:p>
             <a:fld id="{A6D3EF77-317B-41C0-9349-43E9BC462C98}" type="datetimeFigureOut">
               <a:rPr lang="es-MX" smtClean="0"/>
-              <a:t>06/05/2024</a:t>
+              <a:t>08/05/2024</a:t>
             </a:fld>
             <a:endParaRPr lang="es-MX"/>
           </a:p>
@@ -5146,7 +5146,7 @@
           <a:p>
             <a:fld id="{A6D3EF77-317B-41C0-9349-43E9BC462C98}" type="datetimeFigureOut">
               <a:rPr lang="es-MX" smtClean="0"/>
-              <a:t>06/05/2024</a:t>
+              <a:t>08/05/2024</a:t>
             </a:fld>
             <a:endParaRPr lang="es-MX"/>
           </a:p>
@@ -5380,7 +5380,7 @@
           <a:p>
             <a:fld id="{A6D3EF77-317B-41C0-9349-43E9BC462C98}" type="datetimeFigureOut">
               <a:rPr lang="es-MX" smtClean="0"/>
-              <a:t>06/05/2024</a:t>
+              <a:t>08/05/2024</a:t>
             </a:fld>
             <a:endParaRPr lang="es-MX"/>
           </a:p>
@@ -10956,24 +10956,15 @@
           <a:p>
             <a:r>
               <a:rPr lang="es-MX" dirty="0"/>
-              <a:t>Otra manera de incluir CSS en tu </a:t>
-            </a:r>
-            <a:r>
-              <a:rPr lang="es-MX" dirty="0" err="1"/>
-              <a:t>html</a:t>
-            </a:r>
-            <a:r>
-              <a:rPr lang="es-MX" dirty="0"/>
-              <a:t> es utilizando el atributo “</a:t>
-            </a:r>
-            <a:r>
-              <a:rPr lang="es-MX" dirty="0" err="1"/>
-              <a:t>style</a:t>
-            </a:r>
-            <a:r>
-              <a:rPr lang="es-MX" dirty="0"/>
-              <a:t>”</a:t>
-            </a:r>
+              <a:t>En el Head </a:t>
+            </a:r>
+            <a:r>
+              <a:rPr lang="es-MX" dirty="0">
+                <a:sym typeface="Wingdings" panose="05000000000000000000" pitchFamily="2" charset="2"/>
+              </a:rPr>
+              <a:t> link </a:t>
+            </a:r>
+            <a:endParaRPr lang="es-MX" dirty="0"/>
           </a:p>
         </p:txBody>
       </p:sp>
@@ -13586,7 +13577,7 @@
                   <a:srgbClr val="FFFF00"/>
                 </a:highlight>
               </a:rPr>
-              <a:t>descendente</a:t>
+              <a:t>descendiente</a:t>
             </a:r>
             <a:r>
               <a:rPr lang="es-MX" sz="2400" dirty="0"/>

--- a/Docs/Modulo-III-Docs/02_CSS.pptx
+++ b/Docs/Modulo-III-Docs/02_CSS.pptx
@@ -332,7 +332,7 @@
           <a:p>
             <a:fld id="{A6D3EF77-317B-41C0-9349-43E9BC462C98}" type="datetimeFigureOut">
               <a:rPr lang="es-MX" smtClean="0"/>
-              <a:t>08/05/2024</a:t>
+              <a:t>09/05/2024</a:t>
             </a:fld>
             <a:endParaRPr lang="es-MX"/>
           </a:p>
@@ -630,7 +630,7 @@
           <a:p>
             <a:fld id="{A6D3EF77-317B-41C0-9349-43E9BC462C98}" type="datetimeFigureOut">
               <a:rPr lang="es-MX" smtClean="0"/>
-              <a:t>08/05/2024</a:t>
+              <a:t>09/05/2024</a:t>
             </a:fld>
             <a:endParaRPr lang="es-MX"/>
           </a:p>
@@ -822,7 +822,7 @@
           <a:p>
             <a:fld id="{A6D3EF77-317B-41C0-9349-43E9BC462C98}" type="datetimeFigureOut">
               <a:rPr lang="es-MX" smtClean="0"/>
-              <a:t>08/05/2024</a:t>
+              <a:t>09/05/2024</a:t>
             </a:fld>
             <a:endParaRPr lang="es-MX"/>
           </a:p>
@@ -1083,7 +1083,7 @@
           <a:p>
             <a:fld id="{A6D3EF77-317B-41C0-9349-43E9BC462C98}" type="datetimeFigureOut">
               <a:rPr lang="es-MX" smtClean="0"/>
-              <a:t>08/05/2024</a:t>
+              <a:t>09/05/2024</a:t>
             </a:fld>
             <a:endParaRPr lang="es-MX"/>
           </a:p>
@@ -1507,7 +1507,7 @@
           <a:p>
             <a:fld id="{A6D3EF77-317B-41C0-9349-43E9BC462C98}" type="datetimeFigureOut">
               <a:rPr lang="es-MX" smtClean="0"/>
-              <a:t>08/05/2024</a:t>
+              <a:t>09/05/2024</a:t>
             </a:fld>
             <a:endParaRPr lang="es-MX"/>
           </a:p>
@@ -2044,7 +2044,7 @@
           <a:p>
             <a:fld id="{A6D3EF77-317B-41C0-9349-43E9BC462C98}" type="datetimeFigureOut">
               <a:rPr lang="es-MX" smtClean="0"/>
-              <a:t>08/05/2024</a:t>
+              <a:t>09/05/2024</a:t>
             </a:fld>
             <a:endParaRPr lang="es-MX"/>
           </a:p>
@@ -2908,7 +2908,7 @@
           <a:p>
             <a:fld id="{A6D3EF77-317B-41C0-9349-43E9BC462C98}" type="datetimeFigureOut">
               <a:rPr lang="es-MX" smtClean="0"/>
-              <a:t>08/05/2024</a:t>
+              <a:t>09/05/2024</a:t>
             </a:fld>
             <a:endParaRPr lang="es-MX"/>
           </a:p>
@@ -3078,7 +3078,7 @@
           <a:p>
             <a:fld id="{A6D3EF77-317B-41C0-9349-43E9BC462C98}" type="datetimeFigureOut">
               <a:rPr lang="es-MX" smtClean="0"/>
-              <a:t>08/05/2024</a:t>
+              <a:t>09/05/2024</a:t>
             </a:fld>
             <a:endParaRPr lang="es-MX"/>
           </a:p>
@@ -3262,7 +3262,7 @@
           <a:p>
             <a:fld id="{A6D3EF77-317B-41C0-9349-43E9BC462C98}" type="datetimeFigureOut">
               <a:rPr lang="es-MX" smtClean="0"/>
-              <a:t>08/05/2024</a:t>
+              <a:t>09/05/2024</a:t>
             </a:fld>
             <a:endParaRPr lang="es-MX"/>
           </a:p>
@@ -3432,7 +3432,7 @@
           <a:p>
             <a:fld id="{A6D3EF77-317B-41C0-9349-43E9BC462C98}" type="datetimeFigureOut">
               <a:rPr lang="es-MX" smtClean="0"/>
-              <a:t>08/05/2024</a:t>
+              <a:t>09/05/2024</a:t>
             </a:fld>
             <a:endParaRPr lang="es-MX"/>
           </a:p>
@@ -3676,7 +3676,7 @@
           <a:p>
             <a:fld id="{A6D3EF77-317B-41C0-9349-43E9BC462C98}" type="datetimeFigureOut">
               <a:rPr lang="es-MX" smtClean="0"/>
-              <a:t>08/05/2024</a:t>
+              <a:t>09/05/2024</a:t>
             </a:fld>
             <a:endParaRPr lang="es-MX"/>
           </a:p>
@@ -3912,7 +3912,7 @@
           <a:p>
             <a:fld id="{A6D3EF77-317B-41C0-9349-43E9BC462C98}" type="datetimeFigureOut">
               <a:rPr lang="es-MX" smtClean="0"/>
-              <a:t>08/05/2024</a:t>
+              <a:t>09/05/2024</a:t>
             </a:fld>
             <a:endParaRPr lang="es-MX"/>
           </a:p>
@@ -4378,7 +4378,7 @@
           <a:p>
             <a:fld id="{A6D3EF77-317B-41C0-9349-43E9BC462C98}" type="datetimeFigureOut">
               <a:rPr lang="es-MX" smtClean="0"/>
-              <a:t>08/05/2024</a:t>
+              <a:t>09/05/2024</a:t>
             </a:fld>
             <a:endParaRPr lang="es-MX"/>
           </a:p>
@@ -4496,7 +4496,7 @@
           <a:p>
             <a:fld id="{A6D3EF77-317B-41C0-9349-43E9BC462C98}" type="datetimeFigureOut">
               <a:rPr lang="es-MX" smtClean="0"/>
-              <a:t>08/05/2024</a:t>
+              <a:t>09/05/2024</a:t>
             </a:fld>
             <a:endParaRPr lang="es-MX"/>
           </a:p>
@@ -4591,7 +4591,7 @@
           <a:p>
             <a:fld id="{A6D3EF77-317B-41C0-9349-43E9BC462C98}" type="datetimeFigureOut">
               <a:rPr lang="es-MX" smtClean="0"/>
-              <a:t>08/05/2024</a:t>
+              <a:t>09/05/2024</a:t>
             </a:fld>
             <a:endParaRPr lang="es-MX"/>
           </a:p>
@@ -4846,7 +4846,7 @@
           <a:p>
             <a:fld id="{A6D3EF77-317B-41C0-9349-43E9BC462C98}" type="datetimeFigureOut">
               <a:rPr lang="es-MX" smtClean="0"/>
-              <a:t>08/05/2024</a:t>
+              <a:t>09/05/2024</a:t>
             </a:fld>
             <a:endParaRPr lang="es-MX"/>
           </a:p>
@@ -5146,7 +5146,7 @@
           <a:p>
             <a:fld id="{A6D3EF77-317B-41C0-9349-43E9BC462C98}" type="datetimeFigureOut">
               <a:rPr lang="es-MX" smtClean="0"/>
-              <a:t>08/05/2024</a:t>
+              <a:t>09/05/2024</a:t>
             </a:fld>
             <a:endParaRPr lang="es-MX"/>
           </a:p>
@@ -5380,7 +5380,7 @@
           <a:p>
             <a:fld id="{A6D3EF77-317B-41C0-9349-43E9BC462C98}" type="datetimeFigureOut">
               <a:rPr lang="es-MX" smtClean="0"/>
-              <a:t>08/05/2024</a:t>
+              <a:t>09/05/2024</a:t>
             </a:fld>
             <a:endParaRPr lang="es-MX"/>
           </a:p>
@@ -10564,29 +10564,11 @@
           <a:p>
             <a:r>
               <a:rPr lang="es-ES" altLang="es-MX" dirty="0"/>
-              <a:t>Los elementos de bloque en un modo de escritura horizontal, se colocan verticalmente, uno </a:t>
-            </a:r>
-            <a:r>
-              <a:rPr kumimoji="0" lang="es-ES" altLang="es-MX" sz="2800" b="0" i="0" u="none" strike="noStrike" cap="none" normalizeH="0" baseline="0" dirty="0">
-                <a:ln>
-                  <a:noFill/>
-                </a:ln>
-                <a:solidFill>
-                  <a:srgbClr val="202124"/>
-                </a:solidFill>
-                <a:effectLst/>
-                <a:latin typeface="inherit"/>
-              </a:rPr>
-              <a:t>debajo del otro</a:t>
-            </a:r>
-          </a:p>
-          <a:p>
-            <a:endParaRPr lang="es-ES" dirty="0">
-              <a:solidFill>
-                <a:srgbClr val="202124"/>
-              </a:solidFill>
-              <a:latin typeface="inherit"/>
-            </a:endParaRPr>
+              <a:t>Los elementos de bloque en un modo de escritura horizontal, se colocan verticalmente, uno debajo del otro</a:t>
+            </a:r>
+          </a:p>
+          <a:p>
+            <a:endParaRPr lang="es-ES" dirty="0"/>
           </a:p>
           <a:p>
             <a:endParaRPr lang="es-ES" dirty="0">
@@ -12065,10 +12047,10 @@
       </p:grpSpPr>
       <p:pic>
         <p:nvPicPr>
-          <p:cNvPr id="19" name="Imagen 18">
-            <a:extLst>
-              <a:ext uri="{FF2B5EF4-FFF2-40B4-BE49-F238E27FC236}">
-                <a16:creationId xmlns:a16="http://schemas.microsoft.com/office/drawing/2014/main" id="{641F31B8-06E2-45AC-84CB-659DC2D8544D}"/>
+          <p:cNvPr id="13" name="Imagen 12">
+            <a:extLst>
+              <a:ext uri="{FF2B5EF4-FFF2-40B4-BE49-F238E27FC236}">
+                <a16:creationId xmlns:a16="http://schemas.microsoft.com/office/drawing/2014/main" id="{3FDBE477-FD1F-4235-BD44-B0256BE15A70}"/>
               </a:ext>
             </a:extLst>
           </p:cNvPr>
@@ -12085,48 +12067,20 @@
         </p:blipFill>
         <p:spPr>
           <a:xfrm>
-            <a:off x="5571412" y="3806450"/>
-            <a:ext cx="3381847" cy="2686425"/>
+            <a:off x="7551214" y="629183"/>
+            <a:ext cx="3683749" cy="2483342"/>
           </a:xfrm>
           <a:prstGeom prst="rect">
             <a:avLst/>
           </a:prstGeom>
         </p:spPr>
       </p:pic>
-      <p:sp>
-        <p:nvSpPr>
-          <p:cNvPr id="2" name="Título 1">
-            <a:extLst>
-              <a:ext uri="{FF2B5EF4-FFF2-40B4-BE49-F238E27FC236}">
-                <a16:creationId xmlns:a16="http://schemas.microsoft.com/office/drawing/2014/main" id="{DC8AFEFF-AE09-4FBA-9C64-B94D1555AF61}"/>
-              </a:ext>
-            </a:extLst>
-          </p:cNvPr>
-          <p:cNvSpPr>
-            <a:spLocks noGrp="1"/>
-          </p:cNvSpPr>
-          <p:nvPr>
-            <p:ph type="title"/>
-          </p:nvPr>
-        </p:nvSpPr>
-        <p:spPr/>
-        <p:txBody>
-          <a:bodyPr/>
-          <a:lstStyle/>
-          <a:p>
-            <a:r>
-              <a:rPr lang="es-MX" dirty="0"/>
-              <a:t>Colores, fondos y bordes</a:t>
-            </a:r>
-          </a:p>
-        </p:txBody>
-      </p:sp>
       <p:pic>
         <p:nvPicPr>
-          <p:cNvPr id="9" name="Imagen 8">
-            <a:extLst>
-              <a:ext uri="{FF2B5EF4-FFF2-40B4-BE49-F238E27FC236}">
-                <a16:creationId xmlns:a16="http://schemas.microsoft.com/office/drawing/2014/main" id="{D7F82AB6-A99A-4D9D-BCBC-3AAAAE754E9D}"/>
+          <p:cNvPr id="19" name="Imagen 18">
+            <a:extLst>
+              <a:ext uri="{FF2B5EF4-FFF2-40B4-BE49-F238E27FC236}">
+                <a16:creationId xmlns:a16="http://schemas.microsoft.com/office/drawing/2014/main" id="{641F31B8-06E2-45AC-84CB-659DC2D8544D}"/>
               </a:ext>
             </a:extLst>
           </p:cNvPr>
@@ -12143,20 +12097,53 @@
         </p:blipFill>
         <p:spPr>
           <a:xfrm>
-            <a:off x="555230" y="1410409"/>
-            <a:ext cx="2498363" cy="373059"/>
+            <a:off x="5571412" y="3806450"/>
+            <a:ext cx="3381847" cy="2686425"/>
           </a:xfrm>
           <a:prstGeom prst="rect">
             <a:avLst/>
           </a:prstGeom>
         </p:spPr>
       </p:pic>
+      <p:sp>
+        <p:nvSpPr>
+          <p:cNvPr id="2" name="Título 1">
+            <a:extLst>
+              <a:ext uri="{FF2B5EF4-FFF2-40B4-BE49-F238E27FC236}">
+                <a16:creationId xmlns:a16="http://schemas.microsoft.com/office/drawing/2014/main" id="{DC8AFEFF-AE09-4FBA-9C64-B94D1555AF61}"/>
+              </a:ext>
+            </a:extLst>
+          </p:cNvPr>
+          <p:cNvSpPr>
+            <a:spLocks noGrp="1"/>
+          </p:cNvSpPr>
+          <p:nvPr>
+            <p:ph type="title"/>
+          </p:nvPr>
+        </p:nvSpPr>
+        <p:spPr>
+          <a:xfrm>
+            <a:off x="913795" y="609600"/>
+            <a:ext cx="6854890" cy="970450"/>
+          </a:xfrm>
+        </p:spPr>
+        <p:txBody>
+          <a:bodyPr/>
+          <a:lstStyle/>
+          <a:p>
+            <a:r>
+              <a:rPr lang="es-MX" dirty="0"/>
+              <a:t>Colores, fondos y bordes</a:t>
+            </a:r>
+          </a:p>
+        </p:txBody>
+      </p:sp>
       <p:pic>
         <p:nvPicPr>
-          <p:cNvPr id="11" name="Imagen 10">
-            <a:extLst>
-              <a:ext uri="{FF2B5EF4-FFF2-40B4-BE49-F238E27FC236}">
-                <a16:creationId xmlns:a16="http://schemas.microsoft.com/office/drawing/2014/main" id="{6F1C80E0-1556-4B00-A7CD-AA3034F30F5D}"/>
+          <p:cNvPr id="9" name="Imagen 8">
+            <a:extLst>
+              <a:ext uri="{FF2B5EF4-FFF2-40B4-BE49-F238E27FC236}">
+                <a16:creationId xmlns:a16="http://schemas.microsoft.com/office/drawing/2014/main" id="{D7F82AB6-A99A-4D9D-BCBC-3AAAAE754E9D}"/>
               </a:ext>
             </a:extLst>
           </p:cNvPr>
@@ -12173,8 +12160,8 @@
         </p:blipFill>
         <p:spPr>
           <a:xfrm>
-            <a:off x="561371" y="1870854"/>
-            <a:ext cx="4578832" cy="2523446"/>
+            <a:off x="555230" y="1410409"/>
+            <a:ext cx="2498363" cy="373059"/>
           </a:xfrm>
           <a:prstGeom prst="rect">
             <a:avLst/>
@@ -12183,10 +12170,10 @@
       </p:pic>
       <p:pic>
         <p:nvPicPr>
-          <p:cNvPr id="13" name="Imagen 12">
-            <a:extLst>
-              <a:ext uri="{FF2B5EF4-FFF2-40B4-BE49-F238E27FC236}">
-                <a16:creationId xmlns:a16="http://schemas.microsoft.com/office/drawing/2014/main" id="{3FDBE477-FD1F-4235-BD44-B0256BE15A70}"/>
+          <p:cNvPr id="11" name="Imagen 10">
+            <a:extLst>
+              <a:ext uri="{FF2B5EF4-FFF2-40B4-BE49-F238E27FC236}">
+                <a16:creationId xmlns:a16="http://schemas.microsoft.com/office/drawing/2014/main" id="{6F1C80E0-1556-4B00-A7CD-AA3034F30F5D}"/>
               </a:ext>
             </a:extLst>
           </p:cNvPr>
@@ -12203,8 +12190,8 @@
         </p:blipFill>
         <p:spPr>
           <a:xfrm>
-            <a:off x="7551214" y="629183"/>
-            <a:ext cx="3683749" cy="2483342"/>
+            <a:off x="561371" y="1870854"/>
+            <a:ext cx="4578832" cy="2523446"/>
           </a:xfrm>
           <a:prstGeom prst="rect">
             <a:avLst/>
